--- a/assets/img/NOSlab_logo.pptx
+++ b/assets/img/NOSlab_logo.pptx
@@ -7,7 +7,9 @@
   <p:sldIdLst>
     <p:sldId id="256" r:id="rId2"/>
     <p:sldId id="257" r:id="rId3"/>
-    <p:sldId id="258" r:id="rId4"/>
+    <p:sldId id="259" r:id="rId4"/>
+    <p:sldId id="258" r:id="rId5"/>
+    <p:sldId id="260" r:id="rId6"/>
   </p:sldIdLst>
   <p:sldSz cx="12192000" cy="6858000"/>
   <p:notesSz cx="6858000" cy="9144000"/>
@@ -4185,9 +4187,9 @@
         <p:grpSpPr>
           <a:xfrm>
             <a:off x="1929512" y="1909263"/>
-            <a:ext cx="4306984" cy="1363032"/>
+            <a:ext cx="4306984" cy="1356712"/>
             <a:chOff x="1929512" y="1909263"/>
-            <a:chExt cx="4306984" cy="1363032"/>
+            <a:chExt cx="4306984" cy="1356712"/>
           </a:xfrm>
         </p:grpSpPr>
         <p:sp>
@@ -4204,7 +4206,7 @@
           </p:nvSpPr>
           <p:spPr>
             <a:xfrm rot="16200000">
-              <a:off x="2570280" y="2154232"/>
+              <a:off x="2570280" y="2147912"/>
               <a:ext cx="1356711" cy="879415"/>
             </a:xfrm>
             <a:prstGeom prst="trapezoid">
@@ -5047,16 +5049,879 @@
           <a:chExt cx="0" cy="0"/>
         </a:xfrm>
       </p:grpSpPr>
-      <p:sp>
-        <p:nvSpPr>
-          <p:cNvPr id="5" name="직사각형 4"/>
+      <p:grpSp>
+        <p:nvGrpSpPr>
+          <p:cNvPr id="7" name="그룹 6"/>
+          <p:cNvGrpSpPr/>
+          <p:nvPr/>
+        </p:nvGrpSpPr>
+        <p:grpSpPr>
+          <a:xfrm>
+            <a:off x="1929512" y="1909263"/>
+            <a:ext cx="4306984" cy="1356712"/>
+            <a:chOff x="1929512" y="1909263"/>
+            <a:chExt cx="4306984" cy="1356712"/>
+          </a:xfrm>
+        </p:grpSpPr>
+        <p:sp>
+          <p:nvSpPr>
+            <p:cNvPr id="4" name="사다리꼴 3">
+              <a:extLst>
+                <a:ext uri="{FF2B5EF4-FFF2-40B4-BE49-F238E27FC236}">
+                  <a16:creationId xmlns:a16="http://schemas.microsoft.com/office/drawing/2014/main" id="{E7CD34DE-5201-4D9C-98B1-74D4C4EEAC22}"/>
+                </a:ext>
+              </a:extLst>
+            </p:cNvPr>
+            <p:cNvSpPr/>
+            <p:nvPr/>
+          </p:nvSpPr>
+          <p:spPr>
+            <a:xfrm rot="16200000">
+              <a:off x="2570280" y="2147912"/>
+              <a:ext cx="1356711" cy="879415"/>
+            </a:xfrm>
+            <a:prstGeom prst="trapezoid">
+              <a:avLst>
+                <a:gd name="adj" fmla="val 28028"/>
+              </a:avLst>
+            </a:prstGeom>
+            <a:solidFill>
+              <a:schemeClr val="tx1"/>
+            </a:solidFill>
+            <a:ln>
+              <a:solidFill>
+                <a:schemeClr val="bg1"/>
+              </a:solidFill>
+            </a:ln>
+          </p:spPr>
+          <p:style>
+            <a:lnRef idx="2">
+              <a:schemeClr val="dk1">
+                <a:shade val="50000"/>
+              </a:schemeClr>
+            </a:lnRef>
+            <a:fillRef idx="1">
+              <a:schemeClr val="dk1"/>
+            </a:fillRef>
+            <a:effectRef idx="0">
+              <a:schemeClr val="dk1"/>
+            </a:effectRef>
+            <a:fontRef idx="minor">
+              <a:schemeClr val="lt1"/>
+            </a:fontRef>
+          </p:style>
+          <p:txBody>
+            <a:bodyPr rtlCol="0" anchor="ctr"/>
+            <a:lstStyle/>
+            <a:p>
+              <a:pPr algn="ctr"/>
+              <a:endParaRPr lang="ko-KR" altLang="en-US" sz="1100"/>
+            </a:p>
+          </p:txBody>
+        </p:sp>
+        <p:sp>
+          <p:nvSpPr>
+            <p:cNvPr id="6" name="사다리꼴 5">
+              <a:extLst>
+                <a:ext uri="{FF2B5EF4-FFF2-40B4-BE49-F238E27FC236}">
+                  <a16:creationId xmlns:a16="http://schemas.microsoft.com/office/drawing/2014/main" id="{6FE1195C-1086-482A-94F7-F5930C071469}"/>
+                </a:ext>
+              </a:extLst>
+            </p:cNvPr>
+            <p:cNvSpPr/>
+            <p:nvPr/>
+          </p:nvSpPr>
+          <p:spPr>
+            <a:xfrm rot="5400000">
+              <a:off x="1690864" y="2147911"/>
+              <a:ext cx="1356711" cy="879415"/>
+            </a:xfrm>
+            <a:prstGeom prst="trapezoid">
+              <a:avLst>
+                <a:gd name="adj" fmla="val 28028"/>
+              </a:avLst>
+            </a:prstGeom>
+            <a:solidFill>
+              <a:schemeClr val="tx1"/>
+            </a:solidFill>
+            <a:ln>
+              <a:solidFill>
+                <a:schemeClr val="bg1"/>
+              </a:solidFill>
+            </a:ln>
+          </p:spPr>
+          <p:style>
+            <a:lnRef idx="2">
+              <a:schemeClr val="dk1">
+                <a:shade val="50000"/>
+              </a:schemeClr>
+            </a:lnRef>
+            <a:fillRef idx="1">
+              <a:schemeClr val="dk1"/>
+            </a:fillRef>
+            <a:effectRef idx="0">
+              <a:schemeClr val="dk1"/>
+            </a:effectRef>
+            <a:fontRef idx="minor">
+              <a:schemeClr val="lt1"/>
+            </a:fontRef>
+          </p:style>
+          <p:txBody>
+            <a:bodyPr rtlCol="0" anchor="ctr"/>
+            <a:lstStyle/>
+            <a:p>
+              <a:pPr algn="ctr"/>
+              <a:endParaRPr lang="ko-KR" altLang="en-US" sz="1100"/>
+            </a:p>
+          </p:txBody>
+        </p:sp>
+        <p:sp>
+          <p:nvSpPr>
+            <p:cNvPr id="8" name="사다리꼴 7">
+              <a:extLst>
+                <a:ext uri="{FF2B5EF4-FFF2-40B4-BE49-F238E27FC236}">
+                  <a16:creationId xmlns:a16="http://schemas.microsoft.com/office/drawing/2014/main" id="{1ADEC4DE-739E-46EE-A77F-6961574AD6F0}"/>
+                </a:ext>
+              </a:extLst>
+            </p:cNvPr>
+            <p:cNvSpPr/>
+            <p:nvPr/>
+          </p:nvSpPr>
+          <p:spPr>
+            <a:xfrm rot="5400000">
+              <a:off x="3449696" y="2147911"/>
+              <a:ext cx="1356711" cy="879415"/>
+            </a:xfrm>
+            <a:prstGeom prst="trapezoid">
+              <a:avLst>
+                <a:gd name="adj" fmla="val 28028"/>
+              </a:avLst>
+            </a:prstGeom>
+            <a:solidFill>
+              <a:schemeClr val="tx1"/>
+            </a:solidFill>
+            <a:ln>
+              <a:solidFill>
+                <a:schemeClr val="bg1"/>
+              </a:solidFill>
+            </a:ln>
+          </p:spPr>
+          <p:style>
+            <a:lnRef idx="2">
+              <a:schemeClr val="dk1">
+                <a:shade val="50000"/>
+              </a:schemeClr>
+            </a:lnRef>
+            <a:fillRef idx="1">
+              <a:schemeClr val="dk1"/>
+            </a:fillRef>
+            <a:effectRef idx="0">
+              <a:schemeClr val="dk1"/>
+            </a:effectRef>
+            <a:fontRef idx="minor">
+              <a:schemeClr val="lt1"/>
+            </a:fontRef>
+          </p:style>
+          <p:txBody>
+            <a:bodyPr rtlCol="0" anchor="ctr"/>
+            <a:lstStyle/>
+            <a:p>
+              <a:pPr algn="ctr"/>
+              <a:endParaRPr lang="ko-KR" altLang="en-US" sz="1100"/>
+            </a:p>
+          </p:txBody>
+        </p:sp>
+        <p:sp>
+          <p:nvSpPr>
+            <p:cNvPr id="21" name="사다리꼴 20">
+              <a:extLst>
+                <a:ext uri="{FF2B5EF4-FFF2-40B4-BE49-F238E27FC236}">
+                  <a16:creationId xmlns:a16="http://schemas.microsoft.com/office/drawing/2014/main" id="{FEDB8909-84AC-423F-BC63-CF8F3F232AD8}"/>
+                </a:ext>
+              </a:extLst>
+            </p:cNvPr>
+            <p:cNvSpPr/>
+            <p:nvPr/>
+          </p:nvSpPr>
+          <p:spPr>
+            <a:xfrm rot="16200000">
+              <a:off x="2753122" y="2286910"/>
+              <a:ext cx="991027" cy="614057"/>
+            </a:xfrm>
+            <a:prstGeom prst="trapezoid">
+              <a:avLst>
+                <a:gd name="adj" fmla="val 28028"/>
+              </a:avLst>
+            </a:prstGeom>
+            <a:solidFill>
+              <a:schemeClr val="tx1"/>
+            </a:solidFill>
+            <a:ln w="79375">
+              <a:solidFill>
+                <a:schemeClr val="bg1"/>
+              </a:solidFill>
+            </a:ln>
+          </p:spPr>
+          <p:style>
+            <a:lnRef idx="2">
+              <a:schemeClr val="dk1">
+                <a:shade val="50000"/>
+              </a:schemeClr>
+            </a:lnRef>
+            <a:fillRef idx="1">
+              <a:schemeClr val="dk1"/>
+            </a:fillRef>
+            <a:effectRef idx="0">
+              <a:schemeClr val="dk1"/>
+            </a:effectRef>
+            <a:fontRef idx="minor">
+              <a:schemeClr val="lt1"/>
+            </a:fontRef>
+          </p:style>
+          <p:txBody>
+            <a:bodyPr rtlCol="0" anchor="ctr"/>
+            <a:lstStyle/>
+            <a:p>
+              <a:pPr algn="ctr"/>
+              <a:endParaRPr lang="ko-KR" altLang="en-US" sz="1100"/>
+            </a:p>
+          </p:txBody>
+        </p:sp>
+        <p:sp>
+          <p:nvSpPr>
+            <p:cNvPr id="24" name="TextBox 23">
+              <a:extLst>
+                <a:ext uri="{FF2B5EF4-FFF2-40B4-BE49-F238E27FC236}">
+                  <a16:creationId xmlns:a16="http://schemas.microsoft.com/office/drawing/2014/main" id="{1E934E45-D464-4F9F-9C26-A06ED476464B}"/>
+                </a:ext>
+              </a:extLst>
+            </p:cNvPr>
+            <p:cNvSpPr txBox="1"/>
+            <p:nvPr/>
+          </p:nvSpPr>
+          <p:spPr>
+            <a:xfrm>
+              <a:off x="4491762" y="1964678"/>
+              <a:ext cx="1706736" cy="1107995"/>
+            </a:xfrm>
+            <a:prstGeom prst="rect">
+              <a:avLst/>
+            </a:prstGeom>
+            <a:noFill/>
+          </p:spPr>
+          <p:txBody>
+            <a:bodyPr wrap="square" rtlCol="0">
+              <a:spAutoFit/>
+            </a:bodyPr>
+            <a:lstStyle/>
+            <a:p>
+              <a:r>
+                <a:rPr lang="en-US" altLang="ko-KR" sz="6600" b="1" dirty="0">
+                  <a:solidFill>
+                    <a:schemeClr val="accent4">
+                      <a:lumMod val="75000"/>
+                    </a:schemeClr>
+                  </a:solidFill>
+                </a:rPr>
+                <a:t>Lab</a:t>
+              </a:r>
+              <a:endParaRPr lang="ko-KR" altLang="en-US" sz="6600" b="1" dirty="0">
+                <a:solidFill>
+                  <a:schemeClr val="accent4">
+                    <a:lumMod val="75000"/>
+                  </a:schemeClr>
+                </a:solidFill>
+              </a:endParaRPr>
+            </a:p>
+          </p:txBody>
+        </p:sp>
+        <p:sp>
+          <p:nvSpPr>
+            <p:cNvPr id="30" name="사다리꼴 29">
+              <a:extLst>
+                <a:ext uri="{FF2B5EF4-FFF2-40B4-BE49-F238E27FC236}">
+                  <a16:creationId xmlns:a16="http://schemas.microsoft.com/office/drawing/2014/main" id="{2C03481F-23CA-45DE-82FE-741F15DAB783}"/>
+                </a:ext>
+              </a:extLst>
+            </p:cNvPr>
+            <p:cNvSpPr/>
+            <p:nvPr/>
+          </p:nvSpPr>
+          <p:spPr>
+            <a:xfrm rot="5400000">
+              <a:off x="1499873" y="2551501"/>
+              <a:ext cx="1112435" cy="88346"/>
+            </a:xfrm>
+            <a:prstGeom prst="trapezoid">
+              <a:avLst>
+                <a:gd name="adj" fmla="val 27477"/>
+              </a:avLst>
+            </a:prstGeom>
+            <a:ln>
+              <a:noFill/>
+            </a:ln>
+          </p:spPr>
+          <p:style>
+            <a:lnRef idx="2">
+              <a:schemeClr val="accent1">
+                <a:shade val="50000"/>
+              </a:schemeClr>
+            </a:lnRef>
+            <a:fillRef idx="1">
+              <a:schemeClr val="accent1"/>
+            </a:fillRef>
+            <a:effectRef idx="0">
+              <a:schemeClr val="accent1"/>
+            </a:effectRef>
+            <a:fontRef idx="minor">
+              <a:schemeClr val="lt1"/>
+            </a:fontRef>
+          </p:style>
+          <p:txBody>
+            <a:bodyPr rtlCol="0" anchor="ctr"/>
+            <a:lstStyle/>
+            <a:p>
+              <a:pPr algn="ctr"/>
+              <a:endParaRPr lang="ko-KR" altLang="en-US" sz="1100"/>
+            </a:p>
+          </p:txBody>
+        </p:sp>
+        <p:sp>
+          <p:nvSpPr>
+            <p:cNvPr id="41" name="사다리꼴 40">
+              <a:extLst>
+                <a:ext uri="{FF2B5EF4-FFF2-40B4-BE49-F238E27FC236}">
+                  <a16:creationId xmlns:a16="http://schemas.microsoft.com/office/drawing/2014/main" id="{5A615842-0409-44F7-AAA0-6BDFB7173E26}"/>
+                </a:ext>
+              </a:extLst>
+            </p:cNvPr>
+            <p:cNvSpPr/>
+            <p:nvPr/>
+          </p:nvSpPr>
+          <p:spPr>
+            <a:xfrm rot="5400000">
+              <a:off x="2290055" y="2550387"/>
+              <a:ext cx="763212" cy="88346"/>
+            </a:xfrm>
+            <a:prstGeom prst="trapezoid">
+              <a:avLst>
+                <a:gd name="adj" fmla="val 27477"/>
+              </a:avLst>
+            </a:prstGeom>
+            <a:ln>
+              <a:noFill/>
+            </a:ln>
+          </p:spPr>
+          <p:style>
+            <a:lnRef idx="2">
+              <a:schemeClr val="accent1">
+                <a:shade val="50000"/>
+              </a:schemeClr>
+            </a:lnRef>
+            <a:fillRef idx="1">
+              <a:schemeClr val="accent1"/>
+            </a:fillRef>
+            <a:effectRef idx="0">
+              <a:schemeClr val="accent1"/>
+            </a:effectRef>
+            <a:fontRef idx="minor">
+              <a:schemeClr val="lt1"/>
+            </a:fontRef>
+          </p:style>
+          <p:txBody>
+            <a:bodyPr rtlCol="0" anchor="ctr"/>
+            <a:lstStyle/>
+            <a:p>
+              <a:pPr algn="ctr"/>
+              <a:endParaRPr lang="ko-KR" altLang="en-US" sz="1100"/>
+            </a:p>
+          </p:txBody>
+        </p:sp>
+        <p:sp>
+          <p:nvSpPr>
+            <p:cNvPr id="43" name="사다리꼴 42">
+              <a:extLst>
+                <a:ext uri="{FF2B5EF4-FFF2-40B4-BE49-F238E27FC236}">
+                  <a16:creationId xmlns:a16="http://schemas.microsoft.com/office/drawing/2014/main" id="{B27B2D1E-ED78-4EBF-BF9A-5C58CA6B48D7}"/>
+                </a:ext>
+              </a:extLst>
+            </p:cNvPr>
+            <p:cNvSpPr/>
+            <p:nvPr/>
+          </p:nvSpPr>
+          <p:spPr>
+            <a:xfrm rot="3300497">
+              <a:off x="1828041" y="2468264"/>
+              <a:ext cx="1063045" cy="88346"/>
+            </a:xfrm>
+            <a:prstGeom prst="trapezoid">
+              <a:avLst>
+                <a:gd name="adj" fmla="val 17751"/>
+              </a:avLst>
+            </a:prstGeom>
+            <a:ln>
+              <a:noFill/>
+            </a:ln>
+          </p:spPr>
+          <p:style>
+            <a:lnRef idx="2">
+              <a:schemeClr val="accent1">
+                <a:shade val="50000"/>
+              </a:schemeClr>
+            </a:lnRef>
+            <a:fillRef idx="1">
+              <a:schemeClr val="accent1"/>
+            </a:fillRef>
+            <a:effectRef idx="0">
+              <a:schemeClr val="accent1"/>
+            </a:effectRef>
+            <a:fontRef idx="minor">
+              <a:schemeClr val="lt1"/>
+            </a:fontRef>
+          </p:style>
+          <p:txBody>
+            <a:bodyPr rtlCol="0" anchor="ctr"/>
+            <a:lstStyle/>
+            <a:p>
+              <a:pPr algn="ctr"/>
+              <a:endParaRPr lang="ko-KR" altLang="en-US" sz="1100"/>
+            </a:p>
+          </p:txBody>
+        </p:sp>
+        <p:sp>
+          <p:nvSpPr>
+            <p:cNvPr id="47" name="사다리꼴 46">
+              <a:extLst>
+                <a:ext uri="{FF2B5EF4-FFF2-40B4-BE49-F238E27FC236}">
+                  <a16:creationId xmlns:a16="http://schemas.microsoft.com/office/drawing/2014/main" id="{37F93D01-09AA-42F8-9CF4-3B29D3675850}"/>
+                </a:ext>
+              </a:extLst>
+            </p:cNvPr>
+            <p:cNvSpPr/>
+            <p:nvPr/>
+          </p:nvSpPr>
+          <p:spPr>
+            <a:xfrm rot="5400000">
+              <a:off x="3553551" y="2268616"/>
+              <a:ext cx="545151" cy="88346"/>
+            </a:xfrm>
+            <a:prstGeom prst="trapezoid">
+              <a:avLst>
+                <a:gd name="adj" fmla="val 27477"/>
+              </a:avLst>
+            </a:prstGeom>
+            <a:ln>
+              <a:noFill/>
+            </a:ln>
+          </p:spPr>
+          <p:style>
+            <a:lnRef idx="2">
+              <a:schemeClr val="accent1">
+                <a:shade val="50000"/>
+              </a:schemeClr>
+            </a:lnRef>
+            <a:fillRef idx="1">
+              <a:schemeClr val="accent1"/>
+            </a:fillRef>
+            <a:effectRef idx="0">
+              <a:schemeClr val="accent1"/>
+            </a:effectRef>
+            <a:fontRef idx="minor">
+              <a:schemeClr val="lt1"/>
+            </a:fontRef>
+          </p:style>
+          <p:txBody>
+            <a:bodyPr rtlCol="0" anchor="ctr"/>
+            <a:lstStyle/>
+            <a:p>
+              <a:pPr algn="ctr"/>
+              <a:endParaRPr lang="ko-KR" altLang="en-US" sz="1100"/>
+            </a:p>
+          </p:txBody>
+        </p:sp>
+        <p:sp>
+          <p:nvSpPr>
+            <p:cNvPr id="49" name="사다리꼴 48">
+              <a:extLst>
+                <a:ext uri="{FF2B5EF4-FFF2-40B4-BE49-F238E27FC236}">
+                  <a16:creationId xmlns:a16="http://schemas.microsoft.com/office/drawing/2014/main" id="{310BDA0E-EEE9-4104-8E19-FBA58E775B27}"/>
+                </a:ext>
+              </a:extLst>
+            </p:cNvPr>
+            <p:cNvSpPr/>
+            <p:nvPr/>
+          </p:nvSpPr>
+          <p:spPr>
+            <a:xfrm rot="5400000">
+              <a:off x="4359925" y="2248151"/>
+              <a:ext cx="163545" cy="88346"/>
+            </a:xfrm>
+            <a:prstGeom prst="trapezoid">
+              <a:avLst>
+                <a:gd name="adj" fmla="val 27477"/>
+              </a:avLst>
+            </a:prstGeom>
+            <a:ln>
+              <a:noFill/>
+            </a:ln>
+          </p:spPr>
+          <p:style>
+            <a:lnRef idx="2">
+              <a:schemeClr val="accent1">
+                <a:shade val="50000"/>
+              </a:schemeClr>
+            </a:lnRef>
+            <a:fillRef idx="1">
+              <a:schemeClr val="accent1"/>
+            </a:fillRef>
+            <a:effectRef idx="0">
+              <a:schemeClr val="accent1"/>
+            </a:effectRef>
+            <a:fontRef idx="minor">
+              <a:schemeClr val="lt1"/>
+            </a:fontRef>
+          </p:style>
+          <p:txBody>
+            <a:bodyPr rtlCol="0" anchor="ctr"/>
+            <a:lstStyle/>
+            <a:p>
+              <a:pPr algn="ctr"/>
+              <a:endParaRPr lang="ko-KR" altLang="en-US" sz="1100"/>
+            </a:p>
+          </p:txBody>
+        </p:sp>
+        <p:sp>
+          <p:nvSpPr>
+            <p:cNvPr id="51" name="사다리꼴 50">
+              <a:extLst>
+                <a:ext uri="{FF2B5EF4-FFF2-40B4-BE49-F238E27FC236}">
+                  <a16:creationId xmlns:a16="http://schemas.microsoft.com/office/drawing/2014/main" id="{170BA9DD-3718-456C-BCAA-D8BE23A80F8F}"/>
+                </a:ext>
+              </a:extLst>
+            </p:cNvPr>
+            <p:cNvSpPr/>
+            <p:nvPr/>
+          </p:nvSpPr>
+          <p:spPr>
+            <a:xfrm rot="942512">
+              <a:off x="3822618" y="2137176"/>
+              <a:ext cx="599667" cy="88346"/>
+            </a:xfrm>
+            <a:prstGeom prst="trapezoid">
+              <a:avLst>
+                <a:gd name="adj" fmla="val 17751"/>
+              </a:avLst>
+            </a:prstGeom>
+            <a:ln>
+              <a:noFill/>
+            </a:ln>
+          </p:spPr>
+          <p:style>
+            <a:lnRef idx="2">
+              <a:schemeClr val="accent1">
+                <a:shade val="50000"/>
+              </a:schemeClr>
+            </a:lnRef>
+            <a:fillRef idx="1">
+              <a:schemeClr val="accent1"/>
+            </a:fillRef>
+            <a:effectRef idx="0">
+              <a:schemeClr val="accent1"/>
+            </a:effectRef>
+            <a:fontRef idx="minor">
+              <a:schemeClr val="lt1"/>
+            </a:fontRef>
+          </p:style>
+          <p:txBody>
+            <a:bodyPr rtlCol="0" anchor="ctr"/>
+            <a:lstStyle/>
+            <a:p>
+              <a:pPr algn="ctr"/>
+              <a:endParaRPr lang="ko-KR" altLang="en-US" sz="1100"/>
+            </a:p>
+          </p:txBody>
+        </p:sp>
+        <p:sp>
+          <p:nvSpPr>
+            <p:cNvPr id="54" name="사다리꼴 53">
+              <a:extLst>
+                <a:ext uri="{FF2B5EF4-FFF2-40B4-BE49-F238E27FC236}">
+                  <a16:creationId xmlns:a16="http://schemas.microsoft.com/office/drawing/2014/main" id="{617BC0DC-31C4-4D78-AE17-A1BCCF20F4B9}"/>
+                </a:ext>
+              </a:extLst>
+            </p:cNvPr>
+            <p:cNvSpPr/>
+            <p:nvPr/>
+          </p:nvSpPr>
+          <p:spPr>
+            <a:xfrm>
+              <a:off x="3781437" y="2543446"/>
+              <a:ext cx="704433" cy="88346"/>
+            </a:xfrm>
+            <a:prstGeom prst="trapezoid">
+              <a:avLst>
+                <a:gd name="adj" fmla="val 0"/>
+              </a:avLst>
+            </a:prstGeom>
+            <a:ln>
+              <a:noFill/>
+            </a:ln>
+          </p:spPr>
+          <p:style>
+            <a:lnRef idx="2">
+              <a:schemeClr val="accent1">
+                <a:shade val="50000"/>
+              </a:schemeClr>
+            </a:lnRef>
+            <a:fillRef idx="1">
+              <a:schemeClr val="accent1"/>
+            </a:fillRef>
+            <a:effectRef idx="0">
+              <a:schemeClr val="accent1"/>
+            </a:effectRef>
+            <a:fontRef idx="minor">
+              <a:schemeClr val="lt1"/>
+            </a:fontRef>
+          </p:style>
+          <p:txBody>
+            <a:bodyPr rtlCol="0" anchor="ctr"/>
+            <a:lstStyle/>
+            <a:p>
+              <a:pPr algn="ctr"/>
+              <a:endParaRPr lang="ko-KR" altLang="en-US" sz="1100"/>
+            </a:p>
+          </p:txBody>
+        </p:sp>
+        <p:sp>
+          <p:nvSpPr>
+            <p:cNvPr id="56" name="사다리꼴 55">
+              <a:extLst>
+                <a:ext uri="{FF2B5EF4-FFF2-40B4-BE49-F238E27FC236}">
+                  <a16:creationId xmlns:a16="http://schemas.microsoft.com/office/drawing/2014/main" id="{38E31F1D-7D6C-493D-ACAA-58234CBE62A8}"/>
+                </a:ext>
+              </a:extLst>
+            </p:cNvPr>
+            <p:cNvSpPr/>
+            <p:nvPr/>
+          </p:nvSpPr>
+          <p:spPr>
+            <a:xfrm rot="16200000">
+              <a:off x="4250894" y="2717472"/>
+              <a:ext cx="381606" cy="88346"/>
+            </a:xfrm>
+            <a:prstGeom prst="trapezoid">
+              <a:avLst>
+                <a:gd name="adj" fmla="val 27477"/>
+              </a:avLst>
+            </a:prstGeom>
+            <a:ln>
+              <a:noFill/>
+            </a:ln>
+          </p:spPr>
+          <p:style>
+            <a:lnRef idx="2">
+              <a:schemeClr val="accent1">
+                <a:shade val="50000"/>
+              </a:schemeClr>
+            </a:lnRef>
+            <a:fillRef idx="1">
+              <a:schemeClr val="accent1"/>
+            </a:fillRef>
+            <a:effectRef idx="0">
+              <a:schemeClr val="accent1"/>
+            </a:effectRef>
+            <a:fontRef idx="minor">
+              <a:schemeClr val="lt1"/>
+            </a:fontRef>
+          </p:style>
+          <p:txBody>
+            <a:bodyPr rtlCol="0" anchor="ctr"/>
+            <a:lstStyle/>
+            <a:p>
+              <a:pPr algn="ctr"/>
+              <a:endParaRPr lang="ko-KR" altLang="en-US" sz="1100"/>
+            </a:p>
+          </p:txBody>
+        </p:sp>
+        <p:sp>
+          <p:nvSpPr>
+            <p:cNvPr id="58" name="사다리꼴 57">
+              <a:extLst>
+                <a:ext uri="{FF2B5EF4-FFF2-40B4-BE49-F238E27FC236}">
+                  <a16:creationId xmlns:a16="http://schemas.microsoft.com/office/drawing/2014/main" id="{B253925D-ABFE-4EBA-BB6E-1203DFA2E9CA}"/>
+                </a:ext>
+              </a:extLst>
+            </p:cNvPr>
+            <p:cNvSpPr/>
+            <p:nvPr/>
+          </p:nvSpPr>
+          <p:spPr>
+            <a:xfrm rot="20649549">
+              <a:off x="3801646" y="2957588"/>
+              <a:ext cx="681440" cy="88346"/>
+            </a:xfrm>
+            <a:prstGeom prst="trapezoid">
+              <a:avLst>
+                <a:gd name="adj" fmla="val 17751"/>
+              </a:avLst>
+            </a:prstGeom>
+            <a:ln>
+              <a:noFill/>
+            </a:ln>
+          </p:spPr>
+          <p:style>
+            <a:lnRef idx="2">
+              <a:schemeClr val="accent1">
+                <a:shade val="50000"/>
+              </a:schemeClr>
+            </a:lnRef>
+            <a:fillRef idx="1">
+              <a:schemeClr val="accent1"/>
+            </a:fillRef>
+            <a:effectRef idx="0">
+              <a:schemeClr val="accent1"/>
+            </a:effectRef>
+            <a:fontRef idx="minor">
+              <a:schemeClr val="lt1"/>
+            </a:fontRef>
+          </p:style>
+          <p:txBody>
+            <a:bodyPr rtlCol="0" anchor="ctr"/>
+            <a:lstStyle/>
+            <a:p>
+              <a:pPr algn="ctr"/>
+              <a:endParaRPr lang="ko-KR" altLang="en-US" sz="1100"/>
+            </a:p>
+          </p:txBody>
+        </p:sp>
+        <p:sp>
+          <p:nvSpPr>
+            <p:cNvPr id="62" name="사다리꼴 61">
+              <a:extLst>
+                <a:ext uri="{FF2B5EF4-FFF2-40B4-BE49-F238E27FC236}">
+                  <a16:creationId xmlns:a16="http://schemas.microsoft.com/office/drawing/2014/main" id="{459F921B-30A3-4836-A8AD-CEF773DFF15D}"/>
+                </a:ext>
+              </a:extLst>
+            </p:cNvPr>
+            <p:cNvSpPr/>
+            <p:nvPr/>
+          </p:nvSpPr>
+          <p:spPr>
+            <a:xfrm rot="5400000">
+              <a:off x="3705140" y="2981899"/>
+              <a:ext cx="245318" cy="88346"/>
+            </a:xfrm>
+            <a:prstGeom prst="trapezoid">
+              <a:avLst>
+                <a:gd name="adj" fmla="val 27477"/>
+              </a:avLst>
+            </a:prstGeom>
+            <a:ln>
+              <a:noFill/>
+            </a:ln>
+          </p:spPr>
+          <p:style>
+            <a:lnRef idx="2">
+              <a:schemeClr val="accent1">
+                <a:shade val="50000"/>
+              </a:schemeClr>
+            </a:lnRef>
+            <a:fillRef idx="1">
+              <a:schemeClr val="accent1"/>
+            </a:fillRef>
+            <a:effectRef idx="0">
+              <a:schemeClr val="accent1"/>
+            </a:effectRef>
+            <a:fontRef idx="minor">
+              <a:schemeClr val="lt1"/>
+            </a:fontRef>
+          </p:style>
+          <p:txBody>
+            <a:bodyPr rtlCol="0" anchor="ctr"/>
+            <a:lstStyle/>
+            <a:p>
+              <a:pPr algn="ctr"/>
+              <a:endParaRPr lang="ko-KR" altLang="en-US" sz="1100"/>
+            </a:p>
+          </p:txBody>
+        </p:sp>
+        <p:sp>
+          <p:nvSpPr>
+            <p:cNvPr id="66" name="TextBox 65">
+              <a:extLst>
+                <a:ext uri="{FF2B5EF4-FFF2-40B4-BE49-F238E27FC236}">
+                  <a16:creationId xmlns:a16="http://schemas.microsoft.com/office/drawing/2014/main" id="{10FA3900-C1CC-47F8-8AE0-8685DA838951}"/>
+                </a:ext>
+              </a:extLst>
+            </p:cNvPr>
+            <p:cNvSpPr txBox="1"/>
+            <p:nvPr/>
+          </p:nvSpPr>
+          <p:spPr>
+            <a:xfrm>
+              <a:off x="4529761" y="2804309"/>
+              <a:ext cx="1706735" cy="461665"/>
+            </a:xfrm>
+            <a:prstGeom prst="rect">
+              <a:avLst/>
+            </a:prstGeom>
+            <a:noFill/>
+          </p:spPr>
+          <p:txBody>
+            <a:bodyPr wrap="square" rtlCol="0">
+              <a:spAutoFit/>
+            </a:bodyPr>
+            <a:lstStyle/>
+            <a:p>
+              <a:r>
+                <a:rPr lang="en-US" altLang="ko-KR" sz="2400" b="1" dirty="0"/>
+                <a:t>@CWNU</a:t>
+              </a:r>
+              <a:endParaRPr lang="ko-KR" altLang="en-US" sz="2400" b="1" dirty="0"/>
+            </a:p>
+          </p:txBody>
+        </p:sp>
+      </p:grpSp>
+    </p:spTree>
+    <p:extLst>
+      <p:ext uri="{BB962C8B-B14F-4D97-AF65-F5344CB8AC3E}">
+        <p14:creationId xmlns:p14="http://schemas.microsoft.com/office/powerpoint/2010/main" val="562369421"/>
+      </p:ext>
+    </p:extLst>
+  </p:cSld>
+  <p:clrMapOvr>
+    <a:masterClrMapping/>
+  </p:clrMapOvr>
+</p:sld>
+</file>
+
+<file path=ppt/slides/slide4.xml><?xml version="1.0" encoding="utf-8"?>
+<p:sld xmlns:a="http://schemas.openxmlformats.org/drawingml/2006/main" xmlns:r="http://schemas.openxmlformats.org/officeDocument/2006/relationships" xmlns:p="http://schemas.openxmlformats.org/presentationml/2006/main">
+  <p:cSld>
+    <p:spTree>
+      <p:nvGrpSpPr>
+        <p:cNvPr id="1" name=""/>
+        <p:cNvGrpSpPr/>
+        <p:nvPr/>
+      </p:nvGrpSpPr>
+      <p:grpSpPr>
+        <a:xfrm>
+          <a:off x="0" y="0"/>
+          <a:ext cx="0" cy="0"/>
+          <a:chOff x="0" y="0"/>
+          <a:chExt cx="0" cy="0"/>
+        </a:xfrm>
+      </p:grpSpPr>
+      <p:sp>
+        <p:nvSpPr>
+          <p:cNvPr id="3" name="직사각형 2"/>
           <p:cNvSpPr/>
           <p:nvPr/>
         </p:nvSpPr>
         <p:spPr>
           <a:xfrm>
-            <a:off x="2068082" y="991313"/>
-            <a:ext cx="7477571" cy="4272897"/>
+            <a:off x="1922803" y="1445681"/>
+            <a:ext cx="4854012" cy="1768981"/>
           </a:xfrm>
           <a:prstGeom prst="rect">
             <a:avLst/>
@@ -5064,6 +5929,9 @@
           <a:solidFill>
             <a:schemeClr val="tx1"/>
           </a:solidFill>
+          <a:ln>
+            <a:noFill/>
+          </a:ln>
         </p:spPr>
         <p:style>
           <a:lnRef idx="2">
@@ -5090,9 +5958,918 @@
           </a:p>
         </p:txBody>
       </p:sp>
+      <p:grpSp>
+        <p:nvGrpSpPr>
+          <p:cNvPr id="7" name="그룹 6"/>
+          <p:cNvGrpSpPr/>
+          <p:nvPr/>
+        </p:nvGrpSpPr>
+        <p:grpSpPr>
+          <a:xfrm>
+            <a:off x="2063964" y="1607643"/>
+            <a:ext cx="4306984" cy="1356712"/>
+            <a:chOff x="1929512" y="1909263"/>
+            <a:chExt cx="4306984" cy="1356712"/>
+          </a:xfrm>
+        </p:grpSpPr>
+        <p:sp>
+          <p:nvSpPr>
+            <p:cNvPr id="8" name="사다리꼴 7">
+              <a:extLst>
+                <a:ext uri="{FF2B5EF4-FFF2-40B4-BE49-F238E27FC236}">
+                  <a16:creationId xmlns:a16="http://schemas.microsoft.com/office/drawing/2014/main" id="{E7CD34DE-5201-4D9C-98B1-74D4C4EEAC22}"/>
+                </a:ext>
+              </a:extLst>
+            </p:cNvPr>
+            <p:cNvSpPr/>
+            <p:nvPr/>
+          </p:nvSpPr>
+          <p:spPr>
+            <a:xfrm rot="16200000">
+              <a:off x="2570280" y="2147912"/>
+              <a:ext cx="1356711" cy="879415"/>
+            </a:xfrm>
+            <a:prstGeom prst="trapezoid">
+              <a:avLst>
+                <a:gd name="adj" fmla="val 28028"/>
+              </a:avLst>
+            </a:prstGeom>
+            <a:solidFill>
+              <a:schemeClr val="tx1"/>
+            </a:solidFill>
+            <a:ln>
+              <a:solidFill>
+                <a:schemeClr val="bg1"/>
+              </a:solidFill>
+            </a:ln>
+          </p:spPr>
+          <p:style>
+            <a:lnRef idx="2">
+              <a:schemeClr val="dk1">
+                <a:shade val="50000"/>
+              </a:schemeClr>
+            </a:lnRef>
+            <a:fillRef idx="1">
+              <a:schemeClr val="dk1"/>
+            </a:fillRef>
+            <a:effectRef idx="0">
+              <a:schemeClr val="dk1"/>
+            </a:effectRef>
+            <a:fontRef idx="minor">
+              <a:schemeClr val="lt1"/>
+            </a:fontRef>
+          </p:style>
+          <p:txBody>
+            <a:bodyPr rtlCol="0" anchor="ctr"/>
+            <a:lstStyle/>
+            <a:p>
+              <a:pPr algn="ctr"/>
+              <a:endParaRPr lang="ko-KR" altLang="en-US" sz="1100"/>
+            </a:p>
+          </p:txBody>
+        </p:sp>
+        <p:sp>
+          <p:nvSpPr>
+            <p:cNvPr id="9" name="사다리꼴 8">
+              <a:extLst>
+                <a:ext uri="{FF2B5EF4-FFF2-40B4-BE49-F238E27FC236}">
+                  <a16:creationId xmlns:a16="http://schemas.microsoft.com/office/drawing/2014/main" id="{6FE1195C-1086-482A-94F7-F5930C071469}"/>
+                </a:ext>
+              </a:extLst>
+            </p:cNvPr>
+            <p:cNvSpPr/>
+            <p:nvPr/>
+          </p:nvSpPr>
+          <p:spPr>
+            <a:xfrm rot="5400000">
+              <a:off x="1690864" y="2147911"/>
+              <a:ext cx="1356711" cy="879415"/>
+            </a:xfrm>
+            <a:prstGeom prst="trapezoid">
+              <a:avLst>
+                <a:gd name="adj" fmla="val 28028"/>
+              </a:avLst>
+            </a:prstGeom>
+            <a:solidFill>
+              <a:schemeClr val="tx1"/>
+            </a:solidFill>
+            <a:ln>
+              <a:solidFill>
+                <a:schemeClr val="bg1"/>
+              </a:solidFill>
+            </a:ln>
+          </p:spPr>
+          <p:style>
+            <a:lnRef idx="2">
+              <a:schemeClr val="dk1">
+                <a:shade val="50000"/>
+              </a:schemeClr>
+            </a:lnRef>
+            <a:fillRef idx="1">
+              <a:schemeClr val="dk1"/>
+            </a:fillRef>
+            <a:effectRef idx="0">
+              <a:schemeClr val="dk1"/>
+            </a:effectRef>
+            <a:fontRef idx="minor">
+              <a:schemeClr val="lt1"/>
+            </a:fontRef>
+          </p:style>
+          <p:txBody>
+            <a:bodyPr rtlCol="0" anchor="ctr"/>
+            <a:lstStyle/>
+            <a:p>
+              <a:pPr algn="ctr"/>
+              <a:endParaRPr lang="ko-KR" altLang="en-US" sz="1100"/>
+            </a:p>
+          </p:txBody>
+        </p:sp>
+        <p:sp>
+          <p:nvSpPr>
+            <p:cNvPr id="10" name="사다리꼴 9">
+              <a:extLst>
+                <a:ext uri="{FF2B5EF4-FFF2-40B4-BE49-F238E27FC236}">
+                  <a16:creationId xmlns:a16="http://schemas.microsoft.com/office/drawing/2014/main" id="{1ADEC4DE-739E-46EE-A77F-6961574AD6F0}"/>
+                </a:ext>
+              </a:extLst>
+            </p:cNvPr>
+            <p:cNvSpPr/>
+            <p:nvPr/>
+          </p:nvSpPr>
+          <p:spPr>
+            <a:xfrm rot="5400000">
+              <a:off x="3449696" y="2147911"/>
+              <a:ext cx="1356711" cy="879415"/>
+            </a:xfrm>
+            <a:prstGeom prst="trapezoid">
+              <a:avLst>
+                <a:gd name="adj" fmla="val 28028"/>
+              </a:avLst>
+            </a:prstGeom>
+            <a:solidFill>
+              <a:schemeClr val="tx1"/>
+            </a:solidFill>
+            <a:ln>
+              <a:solidFill>
+                <a:schemeClr val="bg1"/>
+              </a:solidFill>
+            </a:ln>
+          </p:spPr>
+          <p:style>
+            <a:lnRef idx="2">
+              <a:schemeClr val="dk1">
+                <a:shade val="50000"/>
+              </a:schemeClr>
+            </a:lnRef>
+            <a:fillRef idx="1">
+              <a:schemeClr val="dk1"/>
+            </a:fillRef>
+            <a:effectRef idx="0">
+              <a:schemeClr val="dk1"/>
+            </a:effectRef>
+            <a:fontRef idx="minor">
+              <a:schemeClr val="lt1"/>
+            </a:fontRef>
+          </p:style>
+          <p:txBody>
+            <a:bodyPr rtlCol="0" anchor="ctr"/>
+            <a:lstStyle/>
+            <a:p>
+              <a:pPr algn="ctr"/>
+              <a:endParaRPr lang="ko-KR" altLang="en-US" sz="1100"/>
+            </a:p>
+          </p:txBody>
+        </p:sp>
+        <p:sp>
+          <p:nvSpPr>
+            <p:cNvPr id="11" name="사다리꼴 10">
+              <a:extLst>
+                <a:ext uri="{FF2B5EF4-FFF2-40B4-BE49-F238E27FC236}">
+                  <a16:creationId xmlns:a16="http://schemas.microsoft.com/office/drawing/2014/main" id="{FEDB8909-84AC-423F-BC63-CF8F3F232AD8}"/>
+                </a:ext>
+              </a:extLst>
+            </p:cNvPr>
+            <p:cNvSpPr/>
+            <p:nvPr/>
+          </p:nvSpPr>
+          <p:spPr>
+            <a:xfrm rot="16200000">
+              <a:off x="2753122" y="2286910"/>
+              <a:ext cx="991027" cy="614057"/>
+            </a:xfrm>
+            <a:prstGeom prst="trapezoid">
+              <a:avLst>
+                <a:gd name="adj" fmla="val 28028"/>
+              </a:avLst>
+            </a:prstGeom>
+            <a:solidFill>
+              <a:schemeClr val="tx1"/>
+            </a:solidFill>
+            <a:ln w="79375">
+              <a:solidFill>
+                <a:schemeClr val="bg1"/>
+              </a:solidFill>
+            </a:ln>
+          </p:spPr>
+          <p:style>
+            <a:lnRef idx="2">
+              <a:schemeClr val="dk1">
+                <a:shade val="50000"/>
+              </a:schemeClr>
+            </a:lnRef>
+            <a:fillRef idx="1">
+              <a:schemeClr val="dk1"/>
+            </a:fillRef>
+            <a:effectRef idx="0">
+              <a:schemeClr val="dk1"/>
+            </a:effectRef>
+            <a:fontRef idx="minor">
+              <a:schemeClr val="lt1"/>
+            </a:fontRef>
+          </p:style>
+          <p:txBody>
+            <a:bodyPr rtlCol="0" anchor="ctr"/>
+            <a:lstStyle/>
+            <a:p>
+              <a:pPr algn="ctr"/>
+              <a:endParaRPr lang="ko-KR" altLang="en-US" sz="1100"/>
+            </a:p>
+          </p:txBody>
+        </p:sp>
+        <p:sp>
+          <p:nvSpPr>
+            <p:cNvPr id="12" name="TextBox 11">
+              <a:extLst>
+                <a:ext uri="{FF2B5EF4-FFF2-40B4-BE49-F238E27FC236}">
+                  <a16:creationId xmlns:a16="http://schemas.microsoft.com/office/drawing/2014/main" id="{1E934E45-D464-4F9F-9C26-A06ED476464B}"/>
+                </a:ext>
+              </a:extLst>
+            </p:cNvPr>
+            <p:cNvSpPr txBox="1"/>
+            <p:nvPr/>
+          </p:nvSpPr>
+          <p:spPr>
+            <a:xfrm>
+              <a:off x="4491762" y="1964678"/>
+              <a:ext cx="1706736" cy="1107995"/>
+            </a:xfrm>
+            <a:prstGeom prst="rect">
+              <a:avLst/>
+            </a:prstGeom>
+            <a:noFill/>
+          </p:spPr>
+          <p:txBody>
+            <a:bodyPr wrap="square" rtlCol="0">
+              <a:spAutoFit/>
+            </a:bodyPr>
+            <a:lstStyle/>
+            <a:p>
+              <a:r>
+                <a:rPr lang="en-US" altLang="ko-KR" sz="6600" b="1" dirty="0">
+                  <a:solidFill>
+                    <a:schemeClr val="accent4">
+                      <a:lumMod val="75000"/>
+                    </a:schemeClr>
+                  </a:solidFill>
+                </a:rPr>
+                <a:t>Lab</a:t>
+              </a:r>
+              <a:endParaRPr lang="ko-KR" altLang="en-US" sz="6600" b="1" dirty="0">
+                <a:solidFill>
+                  <a:schemeClr val="accent4">
+                    <a:lumMod val="75000"/>
+                  </a:schemeClr>
+                </a:solidFill>
+              </a:endParaRPr>
+            </a:p>
+          </p:txBody>
+        </p:sp>
+        <p:sp>
+          <p:nvSpPr>
+            <p:cNvPr id="13" name="사다리꼴 12">
+              <a:extLst>
+                <a:ext uri="{FF2B5EF4-FFF2-40B4-BE49-F238E27FC236}">
+                  <a16:creationId xmlns:a16="http://schemas.microsoft.com/office/drawing/2014/main" id="{2C03481F-23CA-45DE-82FE-741F15DAB783}"/>
+                </a:ext>
+              </a:extLst>
+            </p:cNvPr>
+            <p:cNvSpPr/>
+            <p:nvPr/>
+          </p:nvSpPr>
+          <p:spPr>
+            <a:xfrm rot="5400000">
+              <a:off x="1499873" y="2551501"/>
+              <a:ext cx="1112435" cy="88346"/>
+            </a:xfrm>
+            <a:prstGeom prst="trapezoid">
+              <a:avLst>
+                <a:gd name="adj" fmla="val 27477"/>
+              </a:avLst>
+            </a:prstGeom>
+            <a:ln>
+              <a:noFill/>
+            </a:ln>
+          </p:spPr>
+          <p:style>
+            <a:lnRef idx="2">
+              <a:schemeClr val="accent1">
+                <a:shade val="50000"/>
+              </a:schemeClr>
+            </a:lnRef>
+            <a:fillRef idx="1">
+              <a:schemeClr val="accent1"/>
+            </a:fillRef>
+            <a:effectRef idx="0">
+              <a:schemeClr val="accent1"/>
+            </a:effectRef>
+            <a:fontRef idx="minor">
+              <a:schemeClr val="lt1"/>
+            </a:fontRef>
+          </p:style>
+          <p:txBody>
+            <a:bodyPr rtlCol="0" anchor="ctr"/>
+            <a:lstStyle/>
+            <a:p>
+              <a:pPr algn="ctr"/>
+              <a:endParaRPr lang="ko-KR" altLang="en-US" sz="1100"/>
+            </a:p>
+          </p:txBody>
+        </p:sp>
+        <p:sp>
+          <p:nvSpPr>
+            <p:cNvPr id="14" name="사다리꼴 13">
+              <a:extLst>
+                <a:ext uri="{FF2B5EF4-FFF2-40B4-BE49-F238E27FC236}">
+                  <a16:creationId xmlns:a16="http://schemas.microsoft.com/office/drawing/2014/main" id="{5A615842-0409-44F7-AAA0-6BDFB7173E26}"/>
+                </a:ext>
+              </a:extLst>
+            </p:cNvPr>
+            <p:cNvSpPr/>
+            <p:nvPr/>
+          </p:nvSpPr>
+          <p:spPr>
+            <a:xfrm rot="5400000">
+              <a:off x="2290055" y="2550387"/>
+              <a:ext cx="763212" cy="88346"/>
+            </a:xfrm>
+            <a:prstGeom prst="trapezoid">
+              <a:avLst>
+                <a:gd name="adj" fmla="val 27477"/>
+              </a:avLst>
+            </a:prstGeom>
+            <a:ln>
+              <a:noFill/>
+            </a:ln>
+          </p:spPr>
+          <p:style>
+            <a:lnRef idx="2">
+              <a:schemeClr val="accent1">
+                <a:shade val="50000"/>
+              </a:schemeClr>
+            </a:lnRef>
+            <a:fillRef idx="1">
+              <a:schemeClr val="accent1"/>
+            </a:fillRef>
+            <a:effectRef idx="0">
+              <a:schemeClr val="accent1"/>
+            </a:effectRef>
+            <a:fontRef idx="minor">
+              <a:schemeClr val="lt1"/>
+            </a:fontRef>
+          </p:style>
+          <p:txBody>
+            <a:bodyPr rtlCol="0" anchor="ctr"/>
+            <a:lstStyle/>
+            <a:p>
+              <a:pPr algn="ctr"/>
+              <a:endParaRPr lang="ko-KR" altLang="en-US" sz="1100"/>
+            </a:p>
+          </p:txBody>
+        </p:sp>
+        <p:sp>
+          <p:nvSpPr>
+            <p:cNvPr id="15" name="사다리꼴 14">
+              <a:extLst>
+                <a:ext uri="{FF2B5EF4-FFF2-40B4-BE49-F238E27FC236}">
+                  <a16:creationId xmlns:a16="http://schemas.microsoft.com/office/drawing/2014/main" id="{B27B2D1E-ED78-4EBF-BF9A-5C58CA6B48D7}"/>
+                </a:ext>
+              </a:extLst>
+            </p:cNvPr>
+            <p:cNvSpPr/>
+            <p:nvPr/>
+          </p:nvSpPr>
+          <p:spPr>
+            <a:xfrm rot="3300497">
+              <a:off x="1828041" y="2468264"/>
+              <a:ext cx="1063045" cy="88346"/>
+            </a:xfrm>
+            <a:prstGeom prst="trapezoid">
+              <a:avLst>
+                <a:gd name="adj" fmla="val 17751"/>
+              </a:avLst>
+            </a:prstGeom>
+            <a:ln>
+              <a:noFill/>
+            </a:ln>
+          </p:spPr>
+          <p:style>
+            <a:lnRef idx="2">
+              <a:schemeClr val="accent1">
+                <a:shade val="50000"/>
+              </a:schemeClr>
+            </a:lnRef>
+            <a:fillRef idx="1">
+              <a:schemeClr val="accent1"/>
+            </a:fillRef>
+            <a:effectRef idx="0">
+              <a:schemeClr val="accent1"/>
+            </a:effectRef>
+            <a:fontRef idx="minor">
+              <a:schemeClr val="lt1"/>
+            </a:fontRef>
+          </p:style>
+          <p:txBody>
+            <a:bodyPr rtlCol="0" anchor="ctr"/>
+            <a:lstStyle/>
+            <a:p>
+              <a:pPr algn="ctr"/>
+              <a:endParaRPr lang="ko-KR" altLang="en-US" sz="1100"/>
+            </a:p>
+          </p:txBody>
+        </p:sp>
+        <p:sp>
+          <p:nvSpPr>
+            <p:cNvPr id="16" name="사다리꼴 15">
+              <a:extLst>
+                <a:ext uri="{FF2B5EF4-FFF2-40B4-BE49-F238E27FC236}">
+                  <a16:creationId xmlns:a16="http://schemas.microsoft.com/office/drawing/2014/main" id="{37F93D01-09AA-42F8-9CF4-3B29D3675850}"/>
+                </a:ext>
+              </a:extLst>
+            </p:cNvPr>
+            <p:cNvSpPr/>
+            <p:nvPr/>
+          </p:nvSpPr>
+          <p:spPr>
+            <a:xfrm rot="5400000">
+              <a:off x="3553551" y="2268616"/>
+              <a:ext cx="545151" cy="88346"/>
+            </a:xfrm>
+            <a:prstGeom prst="trapezoid">
+              <a:avLst>
+                <a:gd name="adj" fmla="val 27477"/>
+              </a:avLst>
+            </a:prstGeom>
+            <a:ln>
+              <a:noFill/>
+            </a:ln>
+          </p:spPr>
+          <p:style>
+            <a:lnRef idx="2">
+              <a:schemeClr val="accent1">
+                <a:shade val="50000"/>
+              </a:schemeClr>
+            </a:lnRef>
+            <a:fillRef idx="1">
+              <a:schemeClr val="accent1"/>
+            </a:fillRef>
+            <a:effectRef idx="0">
+              <a:schemeClr val="accent1"/>
+            </a:effectRef>
+            <a:fontRef idx="minor">
+              <a:schemeClr val="lt1"/>
+            </a:fontRef>
+          </p:style>
+          <p:txBody>
+            <a:bodyPr rtlCol="0" anchor="ctr"/>
+            <a:lstStyle/>
+            <a:p>
+              <a:pPr algn="ctr"/>
+              <a:endParaRPr lang="ko-KR" altLang="en-US" sz="1100"/>
+            </a:p>
+          </p:txBody>
+        </p:sp>
+        <p:sp>
+          <p:nvSpPr>
+            <p:cNvPr id="17" name="사다리꼴 16">
+              <a:extLst>
+                <a:ext uri="{FF2B5EF4-FFF2-40B4-BE49-F238E27FC236}">
+                  <a16:creationId xmlns:a16="http://schemas.microsoft.com/office/drawing/2014/main" id="{310BDA0E-EEE9-4104-8E19-FBA58E775B27}"/>
+                </a:ext>
+              </a:extLst>
+            </p:cNvPr>
+            <p:cNvSpPr/>
+            <p:nvPr/>
+          </p:nvSpPr>
+          <p:spPr>
+            <a:xfrm rot="5400000">
+              <a:off x="4359925" y="2248151"/>
+              <a:ext cx="163545" cy="88346"/>
+            </a:xfrm>
+            <a:prstGeom prst="trapezoid">
+              <a:avLst>
+                <a:gd name="adj" fmla="val 27477"/>
+              </a:avLst>
+            </a:prstGeom>
+            <a:ln>
+              <a:noFill/>
+            </a:ln>
+          </p:spPr>
+          <p:style>
+            <a:lnRef idx="2">
+              <a:schemeClr val="accent1">
+                <a:shade val="50000"/>
+              </a:schemeClr>
+            </a:lnRef>
+            <a:fillRef idx="1">
+              <a:schemeClr val="accent1"/>
+            </a:fillRef>
+            <a:effectRef idx="0">
+              <a:schemeClr val="accent1"/>
+            </a:effectRef>
+            <a:fontRef idx="minor">
+              <a:schemeClr val="lt1"/>
+            </a:fontRef>
+          </p:style>
+          <p:txBody>
+            <a:bodyPr rtlCol="0" anchor="ctr"/>
+            <a:lstStyle/>
+            <a:p>
+              <a:pPr algn="ctr"/>
+              <a:endParaRPr lang="ko-KR" altLang="en-US" sz="1100"/>
+            </a:p>
+          </p:txBody>
+        </p:sp>
+        <p:sp>
+          <p:nvSpPr>
+            <p:cNvPr id="18" name="사다리꼴 17">
+              <a:extLst>
+                <a:ext uri="{FF2B5EF4-FFF2-40B4-BE49-F238E27FC236}">
+                  <a16:creationId xmlns:a16="http://schemas.microsoft.com/office/drawing/2014/main" id="{170BA9DD-3718-456C-BCAA-D8BE23A80F8F}"/>
+                </a:ext>
+              </a:extLst>
+            </p:cNvPr>
+            <p:cNvSpPr/>
+            <p:nvPr/>
+          </p:nvSpPr>
+          <p:spPr>
+            <a:xfrm rot="942512">
+              <a:off x="3822618" y="2137176"/>
+              <a:ext cx="599667" cy="88346"/>
+            </a:xfrm>
+            <a:prstGeom prst="trapezoid">
+              <a:avLst>
+                <a:gd name="adj" fmla="val 17751"/>
+              </a:avLst>
+            </a:prstGeom>
+            <a:ln>
+              <a:noFill/>
+            </a:ln>
+          </p:spPr>
+          <p:style>
+            <a:lnRef idx="2">
+              <a:schemeClr val="accent1">
+                <a:shade val="50000"/>
+              </a:schemeClr>
+            </a:lnRef>
+            <a:fillRef idx="1">
+              <a:schemeClr val="accent1"/>
+            </a:fillRef>
+            <a:effectRef idx="0">
+              <a:schemeClr val="accent1"/>
+            </a:effectRef>
+            <a:fontRef idx="minor">
+              <a:schemeClr val="lt1"/>
+            </a:fontRef>
+          </p:style>
+          <p:txBody>
+            <a:bodyPr rtlCol="0" anchor="ctr"/>
+            <a:lstStyle/>
+            <a:p>
+              <a:pPr algn="ctr"/>
+              <a:endParaRPr lang="ko-KR" altLang="en-US" sz="1100"/>
+            </a:p>
+          </p:txBody>
+        </p:sp>
+        <p:sp>
+          <p:nvSpPr>
+            <p:cNvPr id="19" name="사다리꼴 18">
+              <a:extLst>
+                <a:ext uri="{FF2B5EF4-FFF2-40B4-BE49-F238E27FC236}">
+                  <a16:creationId xmlns:a16="http://schemas.microsoft.com/office/drawing/2014/main" id="{617BC0DC-31C4-4D78-AE17-A1BCCF20F4B9}"/>
+                </a:ext>
+              </a:extLst>
+            </p:cNvPr>
+            <p:cNvSpPr/>
+            <p:nvPr/>
+          </p:nvSpPr>
+          <p:spPr>
+            <a:xfrm>
+              <a:off x="3781437" y="2543446"/>
+              <a:ext cx="704433" cy="88346"/>
+            </a:xfrm>
+            <a:prstGeom prst="trapezoid">
+              <a:avLst>
+                <a:gd name="adj" fmla="val 0"/>
+              </a:avLst>
+            </a:prstGeom>
+            <a:ln>
+              <a:noFill/>
+            </a:ln>
+          </p:spPr>
+          <p:style>
+            <a:lnRef idx="2">
+              <a:schemeClr val="accent1">
+                <a:shade val="50000"/>
+              </a:schemeClr>
+            </a:lnRef>
+            <a:fillRef idx="1">
+              <a:schemeClr val="accent1"/>
+            </a:fillRef>
+            <a:effectRef idx="0">
+              <a:schemeClr val="accent1"/>
+            </a:effectRef>
+            <a:fontRef idx="minor">
+              <a:schemeClr val="lt1"/>
+            </a:fontRef>
+          </p:style>
+          <p:txBody>
+            <a:bodyPr rtlCol="0" anchor="ctr"/>
+            <a:lstStyle/>
+            <a:p>
+              <a:pPr algn="ctr"/>
+              <a:endParaRPr lang="ko-KR" altLang="en-US" sz="1100"/>
+            </a:p>
+          </p:txBody>
+        </p:sp>
+        <p:sp>
+          <p:nvSpPr>
+            <p:cNvPr id="20" name="사다리꼴 19">
+              <a:extLst>
+                <a:ext uri="{FF2B5EF4-FFF2-40B4-BE49-F238E27FC236}">
+                  <a16:creationId xmlns:a16="http://schemas.microsoft.com/office/drawing/2014/main" id="{38E31F1D-7D6C-493D-ACAA-58234CBE62A8}"/>
+                </a:ext>
+              </a:extLst>
+            </p:cNvPr>
+            <p:cNvSpPr/>
+            <p:nvPr/>
+          </p:nvSpPr>
+          <p:spPr>
+            <a:xfrm rot="16200000">
+              <a:off x="4250894" y="2717472"/>
+              <a:ext cx="381606" cy="88346"/>
+            </a:xfrm>
+            <a:prstGeom prst="trapezoid">
+              <a:avLst>
+                <a:gd name="adj" fmla="val 27477"/>
+              </a:avLst>
+            </a:prstGeom>
+            <a:ln>
+              <a:noFill/>
+            </a:ln>
+          </p:spPr>
+          <p:style>
+            <a:lnRef idx="2">
+              <a:schemeClr val="accent1">
+                <a:shade val="50000"/>
+              </a:schemeClr>
+            </a:lnRef>
+            <a:fillRef idx="1">
+              <a:schemeClr val="accent1"/>
+            </a:fillRef>
+            <a:effectRef idx="0">
+              <a:schemeClr val="accent1"/>
+            </a:effectRef>
+            <a:fontRef idx="minor">
+              <a:schemeClr val="lt1"/>
+            </a:fontRef>
+          </p:style>
+          <p:txBody>
+            <a:bodyPr rtlCol="0" anchor="ctr"/>
+            <a:lstStyle/>
+            <a:p>
+              <a:pPr algn="ctr"/>
+              <a:endParaRPr lang="ko-KR" altLang="en-US" sz="1100"/>
+            </a:p>
+          </p:txBody>
+        </p:sp>
+        <p:sp>
+          <p:nvSpPr>
+            <p:cNvPr id="21" name="사다리꼴 20">
+              <a:extLst>
+                <a:ext uri="{FF2B5EF4-FFF2-40B4-BE49-F238E27FC236}">
+                  <a16:creationId xmlns:a16="http://schemas.microsoft.com/office/drawing/2014/main" id="{B253925D-ABFE-4EBA-BB6E-1203DFA2E9CA}"/>
+                </a:ext>
+              </a:extLst>
+            </p:cNvPr>
+            <p:cNvSpPr/>
+            <p:nvPr/>
+          </p:nvSpPr>
+          <p:spPr>
+            <a:xfrm rot="20649549">
+              <a:off x="3801646" y="2957588"/>
+              <a:ext cx="681440" cy="88346"/>
+            </a:xfrm>
+            <a:prstGeom prst="trapezoid">
+              <a:avLst>
+                <a:gd name="adj" fmla="val 17751"/>
+              </a:avLst>
+            </a:prstGeom>
+            <a:ln>
+              <a:noFill/>
+            </a:ln>
+          </p:spPr>
+          <p:style>
+            <a:lnRef idx="2">
+              <a:schemeClr val="accent1">
+                <a:shade val="50000"/>
+              </a:schemeClr>
+            </a:lnRef>
+            <a:fillRef idx="1">
+              <a:schemeClr val="accent1"/>
+            </a:fillRef>
+            <a:effectRef idx="0">
+              <a:schemeClr val="accent1"/>
+            </a:effectRef>
+            <a:fontRef idx="minor">
+              <a:schemeClr val="lt1"/>
+            </a:fontRef>
+          </p:style>
+          <p:txBody>
+            <a:bodyPr rtlCol="0" anchor="ctr"/>
+            <a:lstStyle/>
+            <a:p>
+              <a:pPr algn="ctr"/>
+              <a:endParaRPr lang="ko-KR" altLang="en-US" sz="1100"/>
+            </a:p>
+          </p:txBody>
+        </p:sp>
+        <p:sp>
+          <p:nvSpPr>
+            <p:cNvPr id="22" name="사다리꼴 21">
+              <a:extLst>
+                <a:ext uri="{FF2B5EF4-FFF2-40B4-BE49-F238E27FC236}">
+                  <a16:creationId xmlns:a16="http://schemas.microsoft.com/office/drawing/2014/main" id="{459F921B-30A3-4836-A8AD-CEF773DFF15D}"/>
+                </a:ext>
+              </a:extLst>
+            </p:cNvPr>
+            <p:cNvSpPr/>
+            <p:nvPr/>
+          </p:nvSpPr>
+          <p:spPr>
+            <a:xfrm rot="5400000">
+              <a:off x="3705140" y="2981899"/>
+              <a:ext cx="245318" cy="88346"/>
+            </a:xfrm>
+            <a:prstGeom prst="trapezoid">
+              <a:avLst>
+                <a:gd name="adj" fmla="val 27477"/>
+              </a:avLst>
+            </a:prstGeom>
+            <a:ln>
+              <a:noFill/>
+            </a:ln>
+          </p:spPr>
+          <p:style>
+            <a:lnRef idx="2">
+              <a:schemeClr val="accent1">
+                <a:shade val="50000"/>
+              </a:schemeClr>
+            </a:lnRef>
+            <a:fillRef idx="1">
+              <a:schemeClr val="accent1"/>
+            </a:fillRef>
+            <a:effectRef idx="0">
+              <a:schemeClr val="accent1"/>
+            </a:effectRef>
+            <a:fontRef idx="minor">
+              <a:schemeClr val="lt1"/>
+            </a:fontRef>
+          </p:style>
+          <p:txBody>
+            <a:bodyPr rtlCol="0" anchor="ctr"/>
+            <a:lstStyle/>
+            <a:p>
+              <a:pPr algn="ctr"/>
+              <a:endParaRPr lang="ko-KR" altLang="en-US" sz="1100"/>
+            </a:p>
+          </p:txBody>
+        </p:sp>
+        <p:sp>
+          <p:nvSpPr>
+            <p:cNvPr id="23" name="TextBox 22">
+              <a:extLst>
+                <a:ext uri="{FF2B5EF4-FFF2-40B4-BE49-F238E27FC236}">
+                  <a16:creationId xmlns:a16="http://schemas.microsoft.com/office/drawing/2014/main" id="{10FA3900-C1CC-47F8-8AE0-8685DA838951}"/>
+                </a:ext>
+              </a:extLst>
+            </p:cNvPr>
+            <p:cNvSpPr txBox="1"/>
+            <p:nvPr/>
+          </p:nvSpPr>
+          <p:spPr>
+            <a:xfrm>
+              <a:off x="4529761" y="2804309"/>
+              <a:ext cx="1706735" cy="461665"/>
+            </a:xfrm>
+            <a:prstGeom prst="rect">
+              <a:avLst/>
+            </a:prstGeom>
+            <a:noFill/>
+          </p:spPr>
+          <p:txBody>
+            <a:bodyPr wrap="square" rtlCol="0">
+              <a:spAutoFit/>
+            </a:bodyPr>
+            <a:lstStyle/>
+            <a:p>
+              <a:r>
+                <a:rPr lang="en-US" altLang="ko-KR" sz="2400" b="1" dirty="0">
+                  <a:solidFill>
+                    <a:schemeClr val="bg1"/>
+                  </a:solidFill>
+                </a:rPr>
+                <a:t>@CWNU</a:t>
+              </a:r>
+              <a:endParaRPr lang="ko-KR" altLang="en-US" sz="2400" b="1" dirty="0">
+                <a:solidFill>
+                  <a:schemeClr val="bg1"/>
+                </a:solidFill>
+              </a:endParaRPr>
+            </a:p>
+          </p:txBody>
+        </p:sp>
+      </p:grpSp>
+    </p:spTree>
+    <p:extLst>
+      <p:ext uri="{BB962C8B-B14F-4D97-AF65-F5344CB8AC3E}">
+        <p14:creationId xmlns:p14="http://schemas.microsoft.com/office/powerpoint/2010/main" val="2778245485"/>
+      </p:ext>
+    </p:extLst>
+  </p:cSld>
+  <p:clrMapOvr>
+    <a:masterClrMapping/>
+  </p:clrMapOvr>
+</p:sld>
+</file>
+
+<file path=ppt/slides/slide5.xml><?xml version="1.0" encoding="utf-8"?>
+<p:sld xmlns:a="http://schemas.openxmlformats.org/drawingml/2006/main" xmlns:r="http://schemas.openxmlformats.org/officeDocument/2006/relationships" xmlns:p="http://schemas.openxmlformats.org/presentationml/2006/main">
+  <p:cSld>
+    <p:spTree>
+      <p:nvGrpSpPr>
+        <p:cNvPr id="1" name=""/>
+        <p:cNvGrpSpPr/>
+        <p:nvPr/>
+      </p:nvGrpSpPr>
+      <p:grpSpPr>
+        <a:xfrm>
+          <a:off x="0" y="0"/>
+          <a:ext cx="0" cy="0"/>
+          <a:chOff x="0" y="0"/>
+          <a:chExt cx="0" cy="0"/>
+        </a:xfrm>
+      </p:grpSpPr>
+      <p:sp>
+        <p:nvSpPr>
+          <p:cNvPr id="2" name="제목 1"/>
+          <p:cNvSpPr>
+            <a:spLocks noGrp="1"/>
+          </p:cNvSpPr>
+          <p:nvPr>
+            <p:ph type="title"/>
+          </p:nvPr>
+        </p:nvSpPr>
+        <p:spPr/>
+        <p:txBody>
+          <a:bodyPr/>
+          <a:lstStyle/>
+          <a:p>
+            <a:endParaRPr lang="ko-KR" altLang="en-US"/>
+          </a:p>
+        </p:txBody>
+      </p:sp>
+      <p:sp>
+        <p:nvSpPr>
+          <p:cNvPr id="3" name="내용 개체 틀 2"/>
+          <p:cNvSpPr>
+            <a:spLocks noGrp="1"/>
+          </p:cNvSpPr>
+          <p:nvPr>
+            <p:ph idx="1"/>
+          </p:nvPr>
+        </p:nvSpPr>
+        <p:spPr/>
+        <p:txBody>
+          <a:bodyPr/>
+          <a:lstStyle/>
+          <a:p>
+            <a:endParaRPr lang="ko-KR" altLang="en-US" dirty="0"/>
+          </a:p>
+        </p:txBody>
+      </p:sp>
       <p:pic>
         <p:nvPicPr>
-          <p:cNvPr id="6" name="그림 5"/>
+          <p:cNvPr id="8" name="그림 7"/>
           <p:cNvPicPr>
             <a:picLocks noChangeAspect="1"/>
           </p:cNvPicPr>
@@ -5106,8 +6883,8 @@
         </p:blipFill>
         <p:spPr>
           <a:xfrm>
-            <a:off x="2482156" y="991313"/>
-            <a:ext cx="4578493" cy="1774090"/>
+            <a:off x="3669030" y="2541270"/>
+            <a:ext cx="1048249" cy="383425"/>
           </a:xfrm>
           <a:prstGeom prst="rect">
             <a:avLst/>
@@ -5117,7 +6894,7 @@
     </p:spTree>
     <p:extLst>
       <p:ext uri="{BB962C8B-B14F-4D97-AF65-F5344CB8AC3E}">
-        <p14:creationId xmlns:p14="http://schemas.microsoft.com/office/powerpoint/2010/main" val="2778245485"/>
+        <p14:creationId xmlns:p14="http://schemas.microsoft.com/office/powerpoint/2010/main" val="1068334277"/>
       </p:ext>
     </p:extLst>
   </p:cSld>
